--- a/10 - Security design og principper for sikkert design.pptx
+++ b/10 - Security design og principper for sikkert design.pptx
@@ -3332,7 +3332,6 @@
               <a:rPr lang="en-GB" dirty="0" smtClean="0"/>
               <a:t>GDPR</a:t>
             </a:r>
-            <a:endParaRPr lang="en-GB" dirty="0" smtClean="0"/>
           </a:p>
           <a:p>
             <a:pPr lvl="1"/>
@@ -3381,7 +3380,6 @@
               <a:rPr lang="en-GB" dirty="0" smtClean="0"/>
               <a:t> $1.2B</a:t>
             </a:r>
-            <a:endParaRPr lang="en-GB" dirty="0" smtClean="0"/>
           </a:p>
           <a:p>
             <a:endParaRPr lang="en-GB" dirty="0" smtClean="0"/>
@@ -4098,7 +4096,7 @@
             </a:r>
             <a:r>
               <a:rPr lang="en-GB" i="1" dirty="0" err="1" smtClean="0"/>
-              <a:t>Samtykke</a:t>
+              <a:t>samtykke</a:t>
             </a:r>
             <a:endParaRPr lang="en-GB" dirty="0" smtClean="0"/>
           </a:p>
@@ -4110,7 +4108,7 @@
             </a:r>
             <a:r>
               <a:rPr lang="en-GB" i="1" dirty="0" err="1" smtClean="0"/>
-              <a:t>Kontext</a:t>
+              <a:t>kontext</a:t>
             </a:r>
             <a:r>
               <a:rPr lang="en-GB" i="1" dirty="0" smtClean="0"/>
@@ -4170,7 +4168,31 @@
             <a:pPr lvl="1"/>
             <a:r>
               <a:rPr lang="en-GB" dirty="0" smtClean="0"/>
-              <a:t>Consistency - </a:t>
+              <a:t>Consistency </a:t>
+            </a:r>
+            <a:r>
+              <a:rPr lang="en-GB" dirty="0" smtClean="0"/>
+              <a:t>– </a:t>
+            </a:r>
+            <a:r>
+              <a:rPr lang="en-GB" i="1" dirty="0" err="1" smtClean="0"/>
+              <a:t>rimelig</a:t>
+            </a:r>
+            <a:r>
+              <a:rPr lang="en-GB" i="1" dirty="0" smtClean="0"/>
+              <a:t> </a:t>
+            </a:r>
+            <a:r>
+              <a:rPr lang="en-GB" i="1" dirty="0" err="1" smtClean="0"/>
+              <a:t>forståelse</a:t>
+            </a:r>
+            <a:r>
+              <a:rPr lang="en-GB" i="1" dirty="0" smtClean="0"/>
+              <a:t> for </a:t>
+            </a:r>
+            <a:r>
+              <a:rPr lang="en-GB" i="1" dirty="0" err="1" smtClean="0"/>
+              <a:t>databrug</a:t>
             </a:r>
             <a:endParaRPr lang="en-GB" dirty="0" smtClean="0"/>
           </a:p>
@@ -4395,7 +4417,52 @@
           <a:bodyPr/>
           <a:lstStyle/>
           <a:p>
-            <a:endParaRPr lang="en-US" dirty="0"/>
+            <a:r>
+              <a:rPr lang="en-GB" dirty="0" err="1"/>
+              <a:t>Risikobaseret</a:t>
+            </a:r>
+            <a:r>
+              <a:rPr lang="en-GB" dirty="0"/>
+              <a:t> </a:t>
+            </a:r>
+            <a:r>
+              <a:rPr lang="en-US" dirty="0" err="1" smtClean="0"/>
+              <a:t>analyse</a:t>
+            </a:r>
+            <a:endParaRPr lang="en-GB" dirty="0" smtClean="0"/>
+          </a:p>
+          <a:p>
+            <a:r>
+              <a:rPr lang="en-GB" dirty="0" smtClean="0"/>
+              <a:t>CIA</a:t>
+            </a:r>
+          </a:p>
+          <a:p>
+            <a:pPr lvl="1"/>
+            <a:r>
+              <a:rPr lang="en-GB" dirty="0" smtClean="0"/>
+              <a:t>Confidentiality</a:t>
+            </a:r>
+          </a:p>
+          <a:p>
+            <a:pPr lvl="1"/>
+            <a:r>
+              <a:rPr lang="en-GB" dirty="0" smtClean="0"/>
+              <a:t>Integrity</a:t>
+            </a:r>
+          </a:p>
+          <a:p>
+            <a:pPr lvl="1"/>
+            <a:r>
+              <a:rPr lang="en-GB" dirty="0" smtClean="0"/>
+              <a:t>Availability</a:t>
+            </a:r>
+          </a:p>
+          <a:p>
+            <a:r>
+              <a:rPr lang="en-GB" dirty="0" smtClean="0"/>
+              <a:t>Open Web Application Security Project (OWASP)</a:t>
+            </a:r>
           </a:p>
         </p:txBody>
       </p:sp>
@@ -4466,10 +4533,15 @@
             <p:ph idx="1"/>
           </p:nvPr>
         </p:nvSpPr>
-        <p:spPr/>
+        <p:spPr>
+          <a:xfrm>
+            <a:off x="838200" y="1825625"/>
+            <a:ext cx="4656151" cy="4351338"/>
+          </a:xfrm>
+        </p:spPr>
         <p:txBody>
           <a:bodyPr>
-            <a:normAutofit fontScale="92500" lnSpcReduction="20000"/>
+            <a:normAutofit/>
           </a:bodyPr>
           <a:lstStyle/>
           <a:p>
@@ -4524,9 +4596,201 @@
             </a:pPr>
             <a:r>
               <a:rPr lang="en-GB" i="1" dirty="0" smtClean="0"/>
-              <a:t>Fail securely</a:t>
-            </a:r>
-          </a:p>
+              <a:t>Fail </a:t>
+            </a:r>
+            <a:r>
+              <a:rPr lang="en-GB" i="1" dirty="0" smtClean="0"/>
+              <a:t>securely</a:t>
+            </a:r>
+            <a:endParaRPr lang="en-GB" i="1" dirty="0" smtClean="0"/>
+          </a:p>
+        </p:txBody>
+      </p:sp>
+      <p:sp>
+        <p:nvSpPr>
+          <p:cNvPr id="4" name="Content Placeholder 2"/>
+          <p:cNvSpPr txBox="1">
+            <a:spLocks/>
+          </p:cNvSpPr>
+          <p:nvPr/>
+        </p:nvSpPr>
+        <p:spPr>
+          <a:xfrm>
+            <a:off x="6096000" y="1825625"/>
+            <a:ext cx="4656151" cy="4351338"/>
+          </a:xfrm>
+          <a:prstGeom prst="rect">
+            <a:avLst/>
+          </a:prstGeom>
+        </p:spPr>
+        <p:txBody>
+          <a:bodyPr vert="horz" lIns="91440" tIns="45720" rIns="91440" bIns="45720" rtlCol="0">
+            <a:normAutofit/>
+          </a:bodyPr>
+          <a:lstStyle>
+            <a:lvl1pPr marL="228600" indent="-228600" algn="l" defTabSz="914400" rtl="0" eaLnBrk="1" latinLnBrk="0" hangingPunct="1">
+              <a:lnSpc>
+                <a:spcPct val="90000"/>
+              </a:lnSpc>
+              <a:spcBef>
+                <a:spcPts val="1000"/>
+              </a:spcBef>
+              <a:buFont typeface="Arial" panose="020B0604020202020204" pitchFamily="34" charset="0"/>
+              <a:buChar char="•"/>
+              <a:defRPr sz="2800" kern="1200">
+                <a:solidFill>
+                  <a:schemeClr val="tx1"/>
+                </a:solidFill>
+                <a:latin typeface="+mn-lt"/>
+                <a:ea typeface="+mn-ea"/>
+                <a:cs typeface="+mn-cs"/>
+              </a:defRPr>
+            </a:lvl1pPr>
+            <a:lvl2pPr marL="685800" indent="-228600" algn="l" defTabSz="914400" rtl="0" eaLnBrk="1" latinLnBrk="0" hangingPunct="1">
+              <a:lnSpc>
+                <a:spcPct val="90000"/>
+              </a:lnSpc>
+              <a:spcBef>
+                <a:spcPts val="500"/>
+              </a:spcBef>
+              <a:buFont typeface="Arial" panose="020B0604020202020204" pitchFamily="34" charset="0"/>
+              <a:buChar char="•"/>
+              <a:defRPr sz="2400" kern="1200">
+                <a:solidFill>
+                  <a:schemeClr val="tx1"/>
+                </a:solidFill>
+                <a:latin typeface="+mn-lt"/>
+                <a:ea typeface="+mn-ea"/>
+                <a:cs typeface="+mn-cs"/>
+              </a:defRPr>
+            </a:lvl2pPr>
+            <a:lvl3pPr marL="1143000" indent="-228600" algn="l" defTabSz="914400" rtl="0" eaLnBrk="1" latinLnBrk="0" hangingPunct="1">
+              <a:lnSpc>
+                <a:spcPct val="90000"/>
+              </a:lnSpc>
+              <a:spcBef>
+                <a:spcPts val="500"/>
+              </a:spcBef>
+              <a:buFont typeface="Arial" panose="020B0604020202020204" pitchFamily="34" charset="0"/>
+              <a:buChar char="•"/>
+              <a:defRPr sz="2000" kern="1200">
+                <a:solidFill>
+                  <a:schemeClr val="tx1"/>
+                </a:solidFill>
+                <a:latin typeface="+mn-lt"/>
+                <a:ea typeface="+mn-ea"/>
+                <a:cs typeface="+mn-cs"/>
+              </a:defRPr>
+            </a:lvl3pPr>
+            <a:lvl4pPr marL="1600200" indent="-228600" algn="l" defTabSz="914400" rtl="0" eaLnBrk="1" latinLnBrk="0" hangingPunct="1">
+              <a:lnSpc>
+                <a:spcPct val="90000"/>
+              </a:lnSpc>
+              <a:spcBef>
+                <a:spcPts val="500"/>
+              </a:spcBef>
+              <a:buFont typeface="Arial" panose="020B0604020202020204" pitchFamily="34" charset="0"/>
+              <a:buChar char="•"/>
+              <a:defRPr sz="1800" kern="1200">
+                <a:solidFill>
+                  <a:schemeClr val="tx1"/>
+                </a:solidFill>
+                <a:latin typeface="+mn-lt"/>
+                <a:ea typeface="+mn-ea"/>
+                <a:cs typeface="+mn-cs"/>
+              </a:defRPr>
+            </a:lvl4pPr>
+            <a:lvl5pPr marL="2057400" indent="-228600" algn="l" defTabSz="914400" rtl="0" eaLnBrk="1" latinLnBrk="0" hangingPunct="1">
+              <a:lnSpc>
+                <a:spcPct val="90000"/>
+              </a:lnSpc>
+              <a:spcBef>
+                <a:spcPts val="500"/>
+              </a:spcBef>
+              <a:buFont typeface="Arial" panose="020B0604020202020204" pitchFamily="34" charset="0"/>
+              <a:buChar char="•"/>
+              <a:defRPr sz="1800" kern="1200">
+                <a:solidFill>
+                  <a:schemeClr val="tx1"/>
+                </a:solidFill>
+                <a:latin typeface="+mn-lt"/>
+                <a:ea typeface="+mn-ea"/>
+                <a:cs typeface="+mn-cs"/>
+              </a:defRPr>
+            </a:lvl5pPr>
+            <a:lvl6pPr marL="2514600" indent="-228600" algn="l" defTabSz="914400" rtl="0" eaLnBrk="1" latinLnBrk="0" hangingPunct="1">
+              <a:lnSpc>
+                <a:spcPct val="90000"/>
+              </a:lnSpc>
+              <a:spcBef>
+                <a:spcPts val="500"/>
+              </a:spcBef>
+              <a:buFont typeface="Arial" panose="020B0604020202020204" pitchFamily="34" charset="0"/>
+              <a:buChar char="•"/>
+              <a:defRPr sz="1800" kern="1200">
+                <a:solidFill>
+                  <a:schemeClr val="tx1"/>
+                </a:solidFill>
+                <a:latin typeface="+mn-lt"/>
+                <a:ea typeface="+mn-ea"/>
+                <a:cs typeface="+mn-cs"/>
+              </a:defRPr>
+            </a:lvl6pPr>
+            <a:lvl7pPr marL="2971800" indent="-228600" algn="l" defTabSz="914400" rtl="0" eaLnBrk="1" latinLnBrk="0" hangingPunct="1">
+              <a:lnSpc>
+                <a:spcPct val="90000"/>
+              </a:lnSpc>
+              <a:spcBef>
+                <a:spcPts val="500"/>
+              </a:spcBef>
+              <a:buFont typeface="Arial" panose="020B0604020202020204" pitchFamily="34" charset="0"/>
+              <a:buChar char="•"/>
+              <a:defRPr sz="1800" kern="1200">
+                <a:solidFill>
+                  <a:schemeClr val="tx1"/>
+                </a:solidFill>
+                <a:latin typeface="+mn-lt"/>
+                <a:ea typeface="+mn-ea"/>
+                <a:cs typeface="+mn-cs"/>
+              </a:defRPr>
+            </a:lvl7pPr>
+            <a:lvl8pPr marL="3429000" indent="-228600" algn="l" defTabSz="914400" rtl="0" eaLnBrk="1" latinLnBrk="0" hangingPunct="1">
+              <a:lnSpc>
+                <a:spcPct val="90000"/>
+              </a:lnSpc>
+              <a:spcBef>
+                <a:spcPts val="500"/>
+              </a:spcBef>
+              <a:buFont typeface="Arial" panose="020B0604020202020204" pitchFamily="34" charset="0"/>
+              <a:buChar char="•"/>
+              <a:defRPr sz="1800" kern="1200">
+                <a:solidFill>
+                  <a:schemeClr val="tx1"/>
+                </a:solidFill>
+                <a:latin typeface="+mn-lt"/>
+                <a:ea typeface="+mn-ea"/>
+                <a:cs typeface="+mn-cs"/>
+              </a:defRPr>
+            </a:lvl8pPr>
+            <a:lvl9pPr marL="3886200" indent="-228600" algn="l" defTabSz="914400" rtl="0" eaLnBrk="1" latinLnBrk="0" hangingPunct="1">
+              <a:lnSpc>
+                <a:spcPct val="90000"/>
+              </a:lnSpc>
+              <a:spcBef>
+                <a:spcPts val="500"/>
+              </a:spcBef>
+              <a:buFont typeface="Arial" panose="020B0604020202020204" pitchFamily="34" charset="0"/>
+              <a:buChar char="•"/>
+              <a:defRPr sz="1800" kern="1200">
+                <a:solidFill>
+                  <a:schemeClr val="tx1"/>
+                </a:solidFill>
+                <a:latin typeface="+mn-lt"/>
+                <a:ea typeface="+mn-ea"/>
+                <a:cs typeface="+mn-cs"/>
+              </a:defRPr>
+            </a:lvl9pPr>
+          </a:lstStyle>
           <a:p>
             <a:pPr>
               <a:spcBef>

--- a/10 - Security design og principper for sikkert design.pptx
+++ b/10 - Security design og principper for sikkert design.pptx
@@ -249,7 +249,7 @@
           <a:p>
             <a:fld id="{2D7FE219-F25D-49CA-BAF6-41155C8B64D3}" type="datetimeFigureOut">
               <a:rPr lang="en-US" smtClean="0"/>
-              <a:t>10/24/2021</a:t>
+              <a:t>10/25/2021</a:t>
             </a:fld>
             <a:endParaRPr lang="en-US"/>
           </a:p>
@@ -419,7 +419,7 @@
           <a:p>
             <a:fld id="{2D7FE219-F25D-49CA-BAF6-41155C8B64D3}" type="datetimeFigureOut">
               <a:rPr lang="en-US" smtClean="0"/>
-              <a:t>10/24/2021</a:t>
+              <a:t>10/25/2021</a:t>
             </a:fld>
             <a:endParaRPr lang="en-US"/>
           </a:p>
@@ -599,7 +599,7 @@
           <a:p>
             <a:fld id="{2D7FE219-F25D-49CA-BAF6-41155C8B64D3}" type="datetimeFigureOut">
               <a:rPr lang="en-US" smtClean="0"/>
-              <a:t>10/24/2021</a:t>
+              <a:t>10/25/2021</a:t>
             </a:fld>
             <a:endParaRPr lang="en-US"/>
           </a:p>
@@ -769,7 +769,7 @@
           <a:p>
             <a:fld id="{2D7FE219-F25D-49CA-BAF6-41155C8B64D3}" type="datetimeFigureOut">
               <a:rPr lang="en-US" smtClean="0"/>
-              <a:t>10/24/2021</a:t>
+              <a:t>10/25/2021</a:t>
             </a:fld>
             <a:endParaRPr lang="en-US"/>
           </a:p>
@@ -1015,7 +1015,7 @@
           <a:p>
             <a:fld id="{2D7FE219-F25D-49CA-BAF6-41155C8B64D3}" type="datetimeFigureOut">
               <a:rPr lang="en-US" smtClean="0"/>
-              <a:t>10/24/2021</a:t>
+              <a:t>10/25/2021</a:t>
             </a:fld>
             <a:endParaRPr lang="en-US"/>
           </a:p>
@@ -1247,7 +1247,7 @@
           <a:p>
             <a:fld id="{2D7FE219-F25D-49CA-BAF6-41155C8B64D3}" type="datetimeFigureOut">
               <a:rPr lang="en-US" smtClean="0"/>
-              <a:t>10/24/2021</a:t>
+              <a:t>10/25/2021</a:t>
             </a:fld>
             <a:endParaRPr lang="en-US"/>
           </a:p>
@@ -1614,7 +1614,7 @@
           <a:p>
             <a:fld id="{2D7FE219-F25D-49CA-BAF6-41155C8B64D3}" type="datetimeFigureOut">
               <a:rPr lang="en-US" smtClean="0"/>
-              <a:t>10/24/2021</a:t>
+              <a:t>10/25/2021</a:t>
             </a:fld>
             <a:endParaRPr lang="en-US"/>
           </a:p>
@@ -1732,7 +1732,7 @@
           <a:p>
             <a:fld id="{2D7FE219-F25D-49CA-BAF6-41155C8B64D3}" type="datetimeFigureOut">
               <a:rPr lang="en-US" smtClean="0"/>
-              <a:t>10/24/2021</a:t>
+              <a:t>10/25/2021</a:t>
             </a:fld>
             <a:endParaRPr lang="en-US"/>
           </a:p>
@@ -1827,7 +1827,7 @@
           <a:p>
             <a:fld id="{2D7FE219-F25D-49CA-BAF6-41155C8B64D3}" type="datetimeFigureOut">
               <a:rPr lang="en-US" smtClean="0"/>
-              <a:t>10/24/2021</a:t>
+              <a:t>10/25/2021</a:t>
             </a:fld>
             <a:endParaRPr lang="en-US"/>
           </a:p>
@@ -2104,7 +2104,7 @@
           <a:p>
             <a:fld id="{2D7FE219-F25D-49CA-BAF6-41155C8B64D3}" type="datetimeFigureOut">
               <a:rPr lang="en-US" smtClean="0"/>
-              <a:t>10/24/2021</a:t>
+              <a:t>10/25/2021</a:t>
             </a:fld>
             <a:endParaRPr lang="en-US"/>
           </a:p>
@@ -2357,7 +2357,7 @@
           <a:p>
             <a:fld id="{2D7FE219-F25D-49CA-BAF6-41155C8B64D3}" type="datetimeFigureOut">
               <a:rPr lang="en-US" smtClean="0"/>
-              <a:t>10/24/2021</a:t>
+              <a:t>10/25/2021</a:t>
             </a:fld>
             <a:endParaRPr lang="en-US"/>
           </a:p>
@@ -2570,7 +2570,7 @@
           <a:p>
             <a:fld id="{2D7FE219-F25D-49CA-BAF6-41155C8B64D3}" type="datetimeFigureOut">
               <a:rPr lang="en-US" smtClean="0"/>
-              <a:t>10/24/2021</a:t>
+              <a:t>10/25/2021</a:t>
             </a:fld>
             <a:endParaRPr lang="en-US"/>
           </a:p>
@@ -4168,11 +4168,7 @@
             <a:pPr lvl="1"/>
             <a:r>
               <a:rPr lang="en-GB" dirty="0" smtClean="0"/>
-              <a:t>Consistency </a:t>
-            </a:r>
-            <a:r>
-              <a:rPr lang="en-GB" dirty="0" smtClean="0"/>
-              <a:t>– </a:t>
+              <a:t>Consistency – </a:t>
             </a:r>
             <a:r>
               <a:rPr lang="en-GB" i="1" dirty="0" err="1" smtClean="0"/>
@@ -4596,13 +4592,8 @@
             </a:pPr>
             <a:r>
               <a:rPr lang="en-GB" i="1" dirty="0" smtClean="0"/>
-              <a:t>Fail </a:t>
-            </a:r>
-            <a:r>
-              <a:rPr lang="en-GB" i="1" dirty="0" smtClean="0"/>
-              <a:t>securely</a:t>
-            </a:r>
-            <a:endParaRPr lang="en-GB" i="1" dirty="0" smtClean="0"/>
+              <a:t>Fail securely</a:t>
+            </a:r>
           </a:p>
         </p:txBody>
       </p:sp>
